--- a/Roman Urdu Sentiment Identification.pptx
+++ b/Roman Urdu Sentiment Identification.pptx
@@ -5499,7 +5499,7 @@
         </p:blipFill>
         <p:spPr bwMode="auto">
           <a:xfrm>
-            <a:off x="7772401" y="4743451"/>
+            <a:off x="7772400" y="209550"/>
             <a:ext cx="1199211" cy="271463"/>
           </a:xfrm>
           <a:prstGeom prst="rect">
@@ -5701,6 +5701,32 @@
           </a:p>
         </p:txBody>
       </p:sp>
+      <p:pic>
+        <p:nvPicPr>
+          <p:cNvPr id="7" name="Picture 2" descr="File:Amazon logo.svg"/>
+          <p:cNvPicPr>
+            <a:picLocks noChangeAspect="1" noChangeArrowheads="1"/>
+          </p:cNvPicPr>
+          <p:nvPr/>
+        </p:nvPicPr>
+        <p:blipFill>
+          <a:blip r:embed="rId4" cstate="print"/>
+          <a:srcRect/>
+          <a:stretch>
+            <a:fillRect/>
+          </a:stretch>
+        </p:blipFill>
+        <p:spPr bwMode="auto">
+          <a:xfrm>
+            <a:off x="7772400" y="209550"/>
+            <a:ext cx="1199211" cy="271463"/>
+          </a:xfrm>
+          <a:prstGeom prst="rect">
+            <a:avLst/>
+          </a:prstGeom>
+          <a:noFill/>
+        </p:spPr>
+      </p:pic>
     </p:spTree>
   </p:cSld>
   <p:clrMapOvr>
@@ -5842,6 +5868,32 @@
           </a:p>
         </p:txBody>
       </p:sp>
+      <p:pic>
+        <p:nvPicPr>
+          <p:cNvPr id="5" name="Picture 2" descr="File:Amazon logo.svg"/>
+          <p:cNvPicPr>
+            <a:picLocks noChangeAspect="1" noChangeArrowheads="1"/>
+          </p:cNvPicPr>
+          <p:nvPr/>
+        </p:nvPicPr>
+        <p:blipFill>
+          <a:blip r:embed="rId2" cstate="print"/>
+          <a:srcRect/>
+          <a:stretch>
+            <a:fillRect/>
+          </a:stretch>
+        </p:blipFill>
+        <p:spPr bwMode="auto">
+          <a:xfrm>
+            <a:off x="7772400" y="209550"/>
+            <a:ext cx="1199211" cy="271463"/>
+          </a:xfrm>
+          <a:prstGeom prst="rect">
+            <a:avLst/>
+          </a:prstGeom>
+          <a:noFill/>
+        </p:spPr>
+      </p:pic>
     </p:spTree>
   </p:cSld>
   <p:clrMapOvr>
@@ -5959,6 +6011,32 @@
           </a:p>
         </p:txBody>
       </p:sp>
+      <p:pic>
+        <p:nvPicPr>
+          <p:cNvPr id="5" name="Picture 2" descr="File:Amazon logo.svg"/>
+          <p:cNvPicPr>
+            <a:picLocks noChangeAspect="1" noChangeArrowheads="1"/>
+          </p:cNvPicPr>
+          <p:nvPr/>
+        </p:nvPicPr>
+        <p:blipFill>
+          <a:blip r:embed="rId2" cstate="print"/>
+          <a:srcRect/>
+          <a:stretch>
+            <a:fillRect/>
+          </a:stretch>
+        </p:blipFill>
+        <p:spPr bwMode="auto">
+          <a:xfrm>
+            <a:off x="7772400" y="209550"/>
+            <a:ext cx="1199211" cy="271463"/>
+          </a:xfrm>
+          <a:prstGeom prst="rect">
+            <a:avLst/>
+          </a:prstGeom>
+          <a:noFill/>
+        </p:spPr>
+      </p:pic>
     </p:spTree>
   </p:cSld>
   <p:clrMapOvr>
@@ -6090,6 +6168,32 @@
           </a:p>
         </p:txBody>
       </p:sp>
+      <p:pic>
+        <p:nvPicPr>
+          <p:cNvPr id="5" name="Picture 2" descr="File:Amazon logo.svg"/>
+          <p:cNvPicPr>
+            <a:picLocks noChangeAspect="1" noChangeArrowheads="1"/>
+          </p:cNvPicPr>
+          <p:nvPr/>
+        </p:nvPicPr>
+        <p:blipFill>
+          <a:blip r:embed="rId2" cstate="print"/>
+          <a:srcRect/>
+          <a:stretch>
+            <a:fillRect/>
+          </a:stretch>
+        </p:blipFill>
+        <p:spPr bwMode="auto">
+          <a:xfrm>
+            <a:off x="7772400" y="209550"/>
+            <a:ext cx="1199211" cy="271463"/>
+          </a:xfrm>
+          <a:prstGeom prst="rect">
+            <a:avLst/>
+          </a:prstGeom>
+          <a:noFill/>
+        </p:spPr>
+      </p:pic>
     </p:spTree>
   </p:cSld>
   <p:clrMapOvr>
@@ -6401,6 +6505,32 @@
           </a:p>
         </p:txBody>
       </p:sp>
+      <p:pic>
+        <p:nvPicPr>
+          <p:cNvPr id="6" name="Picture 2" descr="File:Amazon logo.svg"/>
+          <p:cNvPicPr>
+            <a:picLocks noChangeAspect="1" noChangeArrowheads="1"/>
+          </p:cNvPicPr>
+          <p:nvPr/>
+        </p:nvPicPr>
+        <p:blipFill>
+          <a:blip r:embed="rId4" cstate="print"/>
+          <a:srcRect/>
+          <a:stretch>
+            <a:fillRect/>
+          </a:stretch>
+        </p:blipFill>
+        <p:spPr bwMode="auto">
+          <a:xfrm>
+            <a:off x="7772400" y="209550"/>
+            <a:ext cx="1199211" cy="271463"/>
+          </a:xfrm>
+          <a:prstGeom prst="rect">
+            <a:avLst/>
+          </a:prstGeom>
+          <a:noFill/>
+        </p:spPr>
+      </p:pic>
     </p:spTree>
   </p:cSld>
   <p:clrMapOvr>
@@ -6539,6 +6669,32 @@
           </a:p>
         </p:txBody>
       </p:sp>
+      <p:pic>
+        <p:nvPicPr>
+          <p:cNvPr id="5" name="Picture 2" descr="File:Amazon logo.svg"/>
+          <p:cNvPicPr>
+            <a:picLocks noChangeAspect="1" noChangeArrowheads="1"/>
+          </p:cNvPicPr>
+          <p:nvPr/>
+        </p:nvPicPr>
+        <p:blipFill>
+          <a:blip r:embed="rId2" cstate="print"/>
+          <a:srcRect/>
+          <a:stretch>
+            <a:fillRect/>
+          </a:stretch>
+        </p:blipFill>
+        <p:spPr bwMode="auto">
+          <a:xfrm>
+            <a:off x="7772400" y="209550"/>
+            <a:ext cx="1199211" cy="271463"/>
+          </a:xfrm>
+          <a:prstGeom prst="rect">
+            <a:avLst/>
+          </a:prstGeom>
+          <a:noFill/>
+        </p:spPr>
+      </p:pic>
     </p:spTree>
   </p:cSld>
   <p:clrMapOvr>
@@ -6730,6 +6886,32 @@
           </a:p>
         </p:txBody>
       </p:sp>
+      <p:pic>
+        <p:nvPicPr>
+          <p:cNvPr id="5" name="Picture 2" descr="File:Amazon logo.svg"/>
+          <p:cNvPicPr>
+            <a:picLocks noChangeAspect="1" noChangeArrowheads="1"/>
+          </p:cNvPicPr>
+          <p:nvPr/>
+        </p:nvPicPr>
+        <p:blipFill>
+          <a:blip r:embed="rId2" cstate="print"/>
+          <a:srcRect/>
+          <a:stretch>
+            <a:fillRect/>
+          </a:stretch>
+        </p:blipFill>
+        <p:spPr bwMode="auto">
+          <a:xfrm>
+            <a:off x="7772400" y="209550"/>
+            <a:ext cx="1199211" cy="271463"/>
+          </a:xfrm>
+          <a:prstGeom prst="rect">
+            <a:avLst/>
+          </a:prstGeom>
+          <a:noFill/>
+        </p:spPr>
+      </p:pic>
     </p:spTree>
   </p:cSld>
   <p:clrMapOvr>
@@ -6864,9 +7046,33 @@
           </a:p>
         </p:txBody>
       </p:sp>
+      <p:sp>
+        <p:nvSpPr>
+          <p:cNvPr id="5" name="Slide Number Placeholder 4"/>
+          <p:cNvSpPr>
+            <a:spLocks noGrp="1"/>
+          </p:cNvSpPr>
+          <p:nvPr>
+            <p:ph type="sldNum" sz="quarter" idx="12"/>
+          </p:nvPr>
+        </p:nvSpPr>
+        <p:spPr/>
+        <p:txBody>
+          <a:bodyPr/>
+          <a:lstStyle/>
+          <a:p>
+            <a:fld id="{B6F15528-21DE-4FAA-801E-634DDDAF4B2B}" type="slidenum">
+              <a:rPr lang="en-US" smtClean="0"/>
+              <a:pPr/>
+              <a:t>3</a:t>
+            </a:fld>
+            <a:endParaRPr lang="en-US"/>
+          </a:p>
+        </p:txBody>
+      </p:sp>
       <p:pic>
         <p:nvPicPr>
-          <p:cNvPr id="23558" name="Picture 6" descr="Magnifying Glass Svg Detective Glasses Svg Clipart image image 1"/>
+          <p:cNvPr id="6" name="Picture 2" descr="File:Amazon logo.svg"/>
           <p:cNvPicPr>
             <a:picLocks noChangeAspect="1" noChangeArrowheads="1"/>
           </p:cNvPicPr>
@@ -6881,8 +7087,8 @@
         </p:blipFill>
         <p:spPr bwMode="auto">
           <a:xfrm>
-            <a:off x="8077200" y="209550"/>
-            <a:ext cx="876768" cy="701168"/>
+            <a:off x="7772400" y="209550"/>
+            <a:ext cx="1199211" cy="271463"/>
           </a:xfrm>
           <a:prstGeom prst="rect">
             <a:avLst/>
@@ -6890,30 +7096,6 @@
           <a:noFill/>
         </p:spPr>
       </p:pic>
-      <p:sp>
-        <p:nvSpPr>
-          <p:cNvPr id="5" name="Slide Number Placeholder 4"/>
-          <p:cNvSpPr>
-            <a:spLocks noGrp="1"/>
-          </p:cNvSpPr>
-          <p:nvPr>
-            <p:ph type="sldNum" sz="quarter" idx="12"/>
-          </p:nvPr>
-        </p:nvSpPr>
-        <p:spPr/>
-        <p:txBody>
-          <a:bodyPr/>
-          <a:lstStyle/>
-          <a:p>
-            <a:fld id="{B6F15528-21DE-4FAA-801E-634DDDAF4B2B}" type="slidenum">
-              <a:rPr lang="en-US" smtClean="0"/>
-              <a:pPr/>
-              <a:t>3</a:t>
-            </a:fld>
-            <a:endParaRPr lang="en-US"/>
-          </a:p>
-        </p:txBody>
-      </p:sp>
     </p:spTree>
   </p:cSld>
   <p:clrMapOvr>
@@ -7255,6 +7437,32 @@
           </a:p>
         </p:txBody>
       </p:sp>
+      <p:pic>
+        <p:nvPicPr>
+          <p:cNvPr id="8" name="Picture 2" descr="File:Amazon logo.svg"/>
+          <p:cNvPicPr>
+            <a:picLocks noChangeAspect="1" noChangeArrowheads="1"/>
+          </p:cNvPicPr>
+          <p:nvPr/>
+        </p:nvPicPr>
+        <p:blipFill>
+          <a:blip r:embed="rId4" cstate="print"/>
+          <a:srcRect/>
+          <a:stretch>
+            <a:fillRect/>
+          </a:stretch>
+        </p:blipFill>
+        <p:spPr bwMode="auto">
+          <a:xfrm>
+            <a:off x="7772400" y="209550"/>
+            <a:ext cx="1199211" cy="271463"/>
+          </a:xfrm>
+          <a:prstGeom prst="rect">
+            <a:avLst/>
+          </a:prstGeom>
+          <a:noFill/>
+        </p:spPr>
+      </p:pic>
     </p:spTree>
   </p:cSld>
   <p:clrMapOvr>
@@ -8042,6 +8250,32 @@
           </a:p>
         </p:txBody>
       </p:sp>
+      <p:pic>
+        <p:nvPicPr>
+          <p:cNvPr id="7" name="Picture 2" descr="File:Amazon logo.svg"/>
+          <p:cNvPicPr>
+            <a:picLocks noChangeAspect="1" noChangeArrowheads="1"/>
+          </p:cNvPicPr>
+          <p:nvPr/>
+        </p:nvPicPr>
+        <p:blipFill>
+          <a:blip r:embed="rId3" cstate="print"/>
+          <a:srcRect/>
+          <a:stretch>
+            <a:fillRect/>
+          </a:stretch>
+        </p:blipFill>
+        <p:spPr bwMode="auto">
+          <a:xfrm>
+            <a:off x="7772400" y="209550"/>
+            <a:ext cx="1199211" cy="271463"/>
+          </a:xfrm>
+          <a:prstGeom prst="rect">
+            <a:avLst/>
+          </a:prstGeom>
+          <a:noFill/>
+        </p:spPr>
+      </p:pic>
     </p:spTree>
   </p:cSld>
   <p:clrMapOvr>
@@ -8212,9 +8446,33 @@
           </a:p>
         </p:txBody>
       </p:sp>
+      <p:sp>
+        <p:nvSpPr>
+          <p:cNvPr id="6" name="Slide Number Placeholder 5"/>
+          <p:cNvSpPr>
+            <a:spLocks noGrp="1"/>
+          </p:cNvSpPr>
+          <p:nvPr>
+            <p:ph type="sldNum" sz="quarter" idx="12"/>
+          </p:nvPr>
+        </p:nvSpPr>
+        <p:spPr/>
+        <p:txBody>
+          <a:bodyPr/>
+          <a:lstStyle/>
+          <a:p>
+            <a:fld id="{B6F15528-21DE-4FAA-801E-634DDDAF4B2B}" type="slidenum">
+              <a:rPr lang="en-US" smtClean="0"/>
+              <a:pPr/>
+              <a:t>6</a:t>
+            </a:fld>
+            <a:endParaRPr lang="en-US"/>
+          </a:p>
+        </p:txBody>
+      </p:sp>
       <p:pic>
         <p:nvPicPr>
-          <p:cNvPr id="37890" name="Picture 2" descr="File:OpenAI Logo.svg - Wikipedia"/>
+          <p:cNvPr id="7" name="Picture 2" descr="File:Amazon logo.svg"/>
           <p:cNvPicPr>
             <a:picLocks noChangeAspect="1" noChangeArrowheads="1"/>
           </p:cNvPicPr>
@@ -8229,8 +8487,8 @@
         </p:blipFill>
         <p:spPr bwMode="auto">
           <a:xfrm>
-            <a:off x="7848600" y="209550"/>
-            <a:ext cx="1078411" cy="292089"/>
+            <a:off x="7772400" y="209550"/>
+            <a:ext cx="1199211" cy="271463"/>
           </a:xfrm>
           <a:prstGeom prst="rect">
             <a:avLst/>
@@ -8238,30 +8496,6 @@
           <a:noFill/>
         </p:spPr>
       </p:pic>
-      <p:sp>
-        <p:nvSpPr>
-          <p:cNvPr id="6" name="Slide Number Placeholder 5"/>
-          <p:cNvSpPr>
-            <a:spLocks noGrp="1"/>
-          </p:cNvSpPr>
-          <p:nvPr>
-            <p:ph type="sldNum" sz="quarter" idx="12"/>
-          </p:nvPr>
-        </p:nvSpPr>
-        <p:spPr/>
-        <p:txBody>
-          <a:bodyPr/>
-          <a:lstStyle/>
-          <a:p>
-            <a:fld id="{B6F15528-21DE-4FAA-801E-634DDDAF4B2B}" type="slidenum">
-              <a:rPr lang="en-US" smtClean="0"/>
-              <a:pPr/>
-              <a:t>6</a:t>
-            </a:fld>
-            <a:endParaRPr lang="en-US"/>
-          </a:p>
-        </p:txBody>
-      </p:sp>
     </p:spTree>
   </p:cSld>
   <p:clrMapOvr>
@@ -8473,6 +8707,32 @@
           </a:p>
         </p:txBody>
       </p:sp>
+      <p:pic>
+        <p:nvPicPr>
+          <p:cNvPr id="6" name="Picture 2" descr="File:Amazon logo.svg"/>
+          <p:cNvPicPr>
+            <a:picLocks noChangeAspect="1" noChangeArrowheads="1"/>
+          </p:cNvPicPr>
+          <p:nvPr/>
+        </p:nvPicPr>
+        <p:blipFill>
+          <a:blip r:embed="rId4" cstate="print"/>
+          <a:srcRect/>
+          <a:stretch>
+            <a:fillRect/>
+          </a:stretch>
+        </p:blipFill>
+        <p:spPr bwMode="auto">
+          <a:xfrm>
+            <a:off x="7772400" y="209550"/>
+            <a:ext cx="1199211" cy="271463"/>
+          </a:xfrm>
+          <a:prstGeom prst="rect">
+            <a:avLst/>
+          </a:prstGeom>
+          <a:noFill/>
+        </p:spPr>
+      </p:pic>
     </p:spTree>
   </p:cSld>
   <p:clrMapOvr>
@@ -9466,6 +9726,32 @@
           </a:p>
         </p:txBody>
       </p:sp>
+      <p:pic>
+        <p:nvPicPr>
+          <p:cNvPr id="11" name="Picture 2" descr="File:Amazon logo.svg"/>
+          <p:cNvPicPr>
+            <a:picLocks noChangeAspect="1" noChangeArrowheads="1"/>
+          </p:cNvPicPr>
+          <p:nvPr/>
+        </p:nvPicPr>
+        <p:blipFill>
+          <a:blip r:embed="rId3" cstate="print"/>
+          <a:srcRect/>
+          <a:stretch>
+            <a:fillRect/>
+          </a:stretch>
+        </p:blipFill>
+        <p:spPr bwMode="auto">
+          <a:xfrm>
+            <a:off x="7772400" y="209550"/>
+            <a:ext cx="1199211" cy="271463"/>
+          </a:xfrm>
+          <a:prstGeom prst="rect">
+            <a:avLst/>
+          </a:prstGeom>
+          <a:noFill/>
+        </p:spPr>
+      </p:pic>
     </p:spTree>
   </p:cSld>
   <p:clrMapOvr>
@@ -9875,6 +10161,32 @@
           </a:p>
         </p:txBody>
       </p:sp>
+      <p:pic>
+        <p:nvPicPr>
+          <p:cNvPr id="12" name="Picture 2" descr="File:Amazon logo.svg"/>
+          <p:cNvPicPr>
+            <a:picLocks noChangeAspect="1" noChangeArrowheads="1"/>
+          </p:cNvPicPr>
+          <p:nvPr/>
+        </p:nvPicPr>
+        <p:blipFill>
+          <a:blip r:embed="rId4" cstate="print"/>
+          <a:srcRect/>
+          <a:stretch>
+            <a:fillRect/>
+          </a:stretch>
+        </p:blipFill>
+        <p:spPr bwMode="auto">
+          <a:xfrm>
+            <a:off x="7772400" y="209550"/>
+            <a:ext cx="1199211" cy="271463"/>
+          </a:xfrm>
+          <a:prstGeom prst="rect">
+            <a:avLst/>
+          </a:prstGeom>
+          <a:noFill/>
+        </p:spPr>
+      </p:pic>
     </p:spTree>
   </p:cSld>
   <p:clrMapOvr>

--- a/Roman Urdu Sentiment Identification.pptx
+++ b/Roman Urdu Sentiment Identification.pptx
@@ -944,6 +944,109 @@
             </a:r>
           </a:p>
           <a:p>
+            <a:endParaRPr lang="en-US" dirty="0" smtClean="0"/>
+          </a:p>
+          <a:p>
+            <a:r>
+              <a:rPr lang="en-US" dirty="0" smtClean="0"/>
+              <a:t/>
+            </a:r>
+            <a:br>
+              <a:rPr lang="en-US" dirty="0" smtClean="0"/>
+            </a:br>
+            <a:r>
+              <a:rPr lang="en-US" sz="1200" b="0" i="0" kern="1200" dirty="0" smtClean="0">
+                <a:solidFill>
+                  <a:schemeClr val="tx1"/>
+                </a:solidFill>
+                <a:latin typeface="+mn-lt"/>
+                <a:ea typeface="+mn-ea"/>
+                <a:cs typeface="+mn-cs"/>
+              </a:rPr>
+              <a:t>A TF-IDF Vectorizer, which stands for Term Frequency-Inverse Document Frequency Vectorizer, is a text processing tool used in natural language processing and information retrieval. It transforms a collection of textual documents into a numerical format by representing each document as a vector. In this representation, each unique word or term in the corpus is assigned a numerical value based on its frequency within the document (Term Frequency) and its importance across the entire corpus (Inverse Document Frequency). TF-IDF assigns higher values to terms that are frequent within a document but relatively rare across all documents, allowing it to capture the importance of words in distinguishing one document from another. This </a:t>
+            </a:r>
+            <a:r>
+              <a:rPr lang="en-US" sz="1200" b="0" i="0" kern="1200" dirty="0" err="1" smtClean="0">
+                <a:solidFill>
+                  <a:schemeClr val="tx1"/>
+                </a:solidFill>
+                <a:latin typeface="+mn-lt"/>
+                <a:ea typeface="+mn-ea"/>
+                <a:cs typeface="+mn-cs"/>
+              </a:rPr>
+              <a:t>vectorization</a:t>
+            </a:r>
+            <a:r>
+              <a:rPr lang="en-US" sz="1200" b="0" i="0" kern="1200" dirty="0" smtClean="0">
+                <a:solidFill>
+                  <a:schemeClr val="tx1"/>
+                </a:solidFill>
+                <a:latin typeface="+mn-lt"/>
+                <a:ea typeface="+mn-ea"/>
+                <a:cs typeface="+mn-cs"/>
+              </a:rPr>
+              <a:t> technique is widely used in tasks such as text classification, document clustering, and information retrieval to convert unstructured text data into a format suitable for machine learning algorithms.</a:t>
+            </a:r>
+          </a:p>
+          <a:p>
+            <a:r>
+              <a:rPr lang="en-US" sz="1200" b="0" i="0" kern="1200" smtClean="0">
+                <a:solidFill>
+                  <a:schemeClr val="tx1"/>
+                </a:solidFill>
+                <a:latin typeface="+mn-lt"/>
+                <a:ea typeface="+mn-ea"/>
+                <a:cs typeface="+mn-cs"/>
+              </a:rPr>
+              <a:t>Formulas:</a:t>
+            </a:r>
+            <a:endParaRPr lang="en-US" sz="1200" b="0" i="0" kern="1200" dirty="0" smtClean="0">
+              <a:solidFill>
+                <a:schemeClr val="tx1"/>
+              </a:solidFill>
+              <a:latin typeface="+mn-lt"/>
+              <a:ea typeface="+mn-ea"/>
+              <a:cs typeface="+mn-cs"/>
+            </a:endParaRPr>
+          </a:p>
+          <a:p>
+            <a:r>
+              <a:rPr lang="en-US" sz="1200" b="0" i="0" kern="1200" dirty="0" smtClean="0">
+                <a:solidFill>
+                  <a:schemeClr val="tx1"/>
+                </a:solidFill>
+                <a:latin typeface="+mn-lt"/>
+                <a:ea typeface="+mn-ea"/>
+                <a:cs typeface="+mn-cs"/>
+              </a:rPr>
+              <a:t>TF(t, d) = (Number of times term t appears in document d) / (Total number of terms in document d)</a:t>
+            </a:r>
+          </a:p>
+          <a:p>
+            <a:r>
+              <a:rPr lang="en-US" sz="1200" b="0" i="0" kern="1200" dirty="0" smtClean="0">
+                <a:solidFill>
+                  <a:schemeClr val="tx1"/>
+                </a:solidFill>
+                <a:latin typeface="+mn-lt"/>
+                <a:ea typeface="+mn-ea"/>
+                <a:cs typeface="+mn-cs"/>
+              </a:rPr>
+              <a:t>IDF(t) = log(N / (Number of documents containing term t))</a:t>
+            </a:r>
+          </a:p>
+          <a:p>
+            <a:r>
+              <a:rPr lang="en-US" sz="1200" b="0" i="0" kern="1200" dirty="0" smtClean="0">
+                <a:solidFill>
+                  <a:schemeClr val="tx1"/>
+                </a:solidFill>
+                <a:latin typeface="+mn-lt"/>
+                <a:ea typeface="+mn-ea"/>
+                <a:cs typeface="+mn-cs"/>
+              </a:rPr>
+              <a:t>TF-IDF(t, d) = TF(t, d) * IDF(t)</a:t>
+            </a:r>
             <a:endParaRPr lang="en-US" dirty="0"/>
           </a:p>
         </p:txBody>
@@ -5960,8 +6063,12 @@
           <a:lstStyle/>
           <a:p>
             <a:r>
+              <a:rPr lang="en-US" i="1" dirty="0" smtClean="0"/>
+              <a:t>Roman Urdu</a:t>
+            </a:r>
+            <a:r>
               <a:rPr lang="en-US" dirty="0" smtClean="0"/>
-              <a:t>Roman Urdu, while not currently well supported by language services, can be successfully modeled when used with AI-powered large language models.</a:t>
+              <a:t>, while not currently well supported by language services, can be successfully modeled when used with AI-powered large language models.</a:t>
             </a:r>
           </a:p>
           <a:p>
@@ -5979,7 +6086,15 @@
           <a:p>
             <a:r>
               <a:rPr lang="en-US" dirty="0" smtClean="0"/>
-              <a:t>A binary Negative Sentiment detection model has higher accuracy for the same set of data than its multiclass counterpart.</a:t>
+              <a:t>A binary Negative Sentiment detection model has higher accuracy for the same </a:t>
+            </a:r>
+            <a:r>
+              <a:rPr lang="en-US" dirty="0" smtClean="0"/>
+              <a:t>amount </a:t>
+            </a:r>
+            <a:r>
+              <a:rPr lang="en-US" dirty="0" smtClean="0"/>
+              <a:t>of data than its multiclass counterpart.</a:t>
             </a:r>
           </a:p>
           <a:p>
@@ -7525,7 +7640,7 @@
         </p:nvGraphicFramePr>
         <p:xfrm>
           <a:off x="1435100" y="1085850"/>
-          <a:ext cx="7499350" cy="2946400"/>
+          <a:ext cx="7499350" cy="2458720"/>
         </p:xfrm>
         <a:graphic>
           <a:graphicData uri="http://schemas.openxmlformats.org/drawingml/2006/table">
@@ -7898,96 +8013,6 @@
                           <a:ea typeface="Times New Roman"/>
                           <a:cs typeface="Times New Roman"/>
                         </a:rPr>
-                        <a:t>All blank rows have a ‘Neutral’ </a:t>
-                      </a:r>
-                      <a:r>
-                        <a:rPr lang="en-US" sz="1600" dirty="0" smtClean="0">
-                          <a:solidFill>
-                            <a:srgbClr val="222222"/>
-                          </a:solidFill>
-                          <a:latin typeface="Arial"/>
-                          <a:ea typeface="Times New Roman"/>
-                          <a:cs typeface="Times New Roman"/>
-                        </a:rPr>
-                        <a:t>sentiment</a:t>
-                      </a:r>
-                      <a:endParaRPr lang="en-US" sz="1600" dirty="0">
-                        <a:latin typeface="Calibri"/>
-                        <a:ea typeface="Times New Roman"/>
-                        <a:cs typeface="Times New Roman"/>
-                      </a:endParaRPr>
-                    </a:p>
-                  </a:txBody>
-                  <a:tcPr marL="68580" marR="68580" marT="0" marB="0"/>
-                </a:tc>
-                <a:tc>
-                  <a:txBody>
-                    <a:bodyPr/>
-                    <a:lstStyle/>
-                    <a:p>
-                      <a:pPr marL="0" marR="0">
-                        <a:spcBef>
-                          <a:spcPts val="2400"/>
-                        </a:spcBef>
-                        <a:spcAft>
-                          <a:spcPts val="2400"/>
-                        </a:spcAft>
-                      </a:pPr>
-                      <a:r>
-                        <a:rPr lang="en-US" sz="1600" dirty="0">
-                          <a:solidFill>
-                            <a:srgbClr val="222222"/>
-                          </a:solidFill>
-                          <a:latin typeface="Arial"/>
-                          <a:ea typeface="Times New Roman"/>
-                          <a:cs typeface="Times New Roman"/>
-                        </a:rPr>
-                        <a:t>Nothing. Blank answers are valid responses and imply ‘Neutral’ </a:t>
-                      </a:r>
-                      <a:r>
-                        <a:rPr lang="en-US" sz="1600" dirty="0" smtClean="0">
-                          <a:solidFill>
-                            <a:srgbClr val="222222"/>
-                          </a:solidFill>
-                          <a:latin typeface="Arial"/>
-                          <a:ea typeface="Times New Roman"/>
-                          <a:cs typeface="Times New Roman"/>
-                        </a:rPr>
-                        <a:t>sentiment</a:t>
-                      </a:r>
-                      <a:endParaRPr lang="en-US" sz="1600" dirty="0">
-                        <a:latin typeface="Calibri"/>
-                        <a:ea typeface="Times New Roman"/>
-                        <a:cs typeface="Times New Roman"/>
-                      </a:endParaRPr>
-                    </a:p>
-                  </a:txBody>
-                  <a:tcPr marL="68580" marR="68580" marT="0" marB="0"/>
-                </a:tc>
-              </a:tr>
-              <a:tr h="370840">
-                <a:tc>
-                  <a:txBody>
-                    <a:bodyPr/>
-                    <a:lstStyle/>
-                    <a:p>
-                      <a:pPr marL="0" marR="0">
-                        <a:spcBef>
-                          <a:spcPts val="2400"/>
-                        </a:spcBef>
-                        <a:spcAft>
-                          <a:spcPts val="2400"/>
-                        </a:spcAft>
-                      </a:pPr>
-                      <a:r>
-                        <a:rPr lang="en-US" sz="1600" dirty="0">
-                          <a:solidFill>
-                            <a:srgbClr val="222222"/>
-                          </a:solidFill>
-                          <a:latin typeface="Arial"/>
-                          <a:ea typeface="Times New Roman"/>
-                          <a:cs typeface="Times New Roman"/>
-                        </a:rPr>
                         <a:t>The 3</a:t>
                       </a:r>
                       <a:r>
@@ -8201,7 +8226,7 @@
         </p:nvSpPr>
         <p:spPr>
           <a:xfrm>
-            <a:off x="1447800" y="4400550"/>
+            <a:off x="1447800" y="4248150"/>
             <a:ext cx="7010400" cy="369332"/>
           </a:xfrm>
           <a:prstGeom prst="rect">
@@ -8398,16 +8423,25 @@
           <a:p>
             <a:pPr lvl="1"/>
             <a:r>
+              <a:rPr lang="en-US" i="1" dirty="0" smtClean="0"/>
+              <a:t>Roman Urdu</a:t>
+            </a:r>
+            <a:r>
               <a:rPr lang="en-US" dirty="0" smtClean="0"/>
-              <a:t>Roman Urdu: 18,870*</a:t>
+              <a:t>: 18,870*</a:t>
             </a:r>
           </a:p>
           <a:p>
             <a:pPr lvl="1"/>
             <a:r>
               <a:rPr lang="en-US" dirty="0" smtClean="0"/>
-              <a:t>Other languages removed: 778</a:t>
-            </a:r>
+              <a:t>Other languages removed: </a:t>
+            </a:r>
+            <a:r>
+              <a:rPr lang="en-US" dirty="0" smtClean="0"/>
+              <a:t>778*</a:t>
+            </a:r>
+            <a:endParaRPr lang="en-US" dirty="0" smtClean="0"/>
           </a:p>
           <a:p>
             <a:endParaRPr lang="en-US" dirty="0" smtClean="0"/>
@@ -8845,56 +8879,6 @@
               <a:rPr lang="en-US" sz="1800" dirty="0" smtClean="0"/>
               <a:t>Metrics shown below.</a:t>
             </a:r>
-          </a:p>
-          <a:p>
-            <a:pPr>
-              <a:spcAft>
-                <a:spcPts val="300"/>
-              </a:spcAft>
-            </a:pPr>
-            <a:endParaRPr lang="en-US" dirty="0" smtClean="0"/>
-          </a:p>
-          <a:p>
-            <a:pPr>
-              <a:spcAft>
-                <a:spcPts val="300"/>
-              </a:spcAft>
-            </a:pPr>
-            <a:endParaRPr lang="en-US" dirty="0" smtClean="0"/>
-          </a:p>
-          <a:p>
-            <a:pPr>
-              <a:spcAft>
-                <a:spcPts val="300"/>
-              </a:spcAft>
-            </a:pPr>
-            <a:endParaRPr lang="en-US" dirty="0" smtClean="0"/>
-          </a:p>
-          <a:p>
-            <a:pPr>
-              <a:spcAft>
-                <a:spcPts val="300"/>
-              </a:spcAft>
-            </a:pPr>
-            <a:endParaRPr lang="en-US" dirty="0" smtClean="0"/>
-          </a:p>
-          <a:p>
-            <a:pPr>
-              <a:spcAft>
-                <a:spcPts val="300"/>
-              </a:spcAft>
-              <a:buNone/>
-            </a:pPr>
-            <a:endParaRPr lang="en-US" dirty="0" smtClean="0"/>
-          </a:p>
-          <a:p>
-            <a:endParaRPr lang="en-US" dirty="0" smtClean="0"/>
-          </a:p>
-          <a:p>
-            <a:endParaRPr lang="en-US" dirty="0" smtClean="0"/>
-          </a:p>
-          <a:p>
-            <a:pPr lvl="1"/>
             <a:endParaRPr lang="en-US" dirty="0"/>
           </a:p>
         </p:txBody>
